--- a/docs/VDJ User Manual Images.pptx
+++ b/docs/VDJ User Manual Images.pptx
@@ -571,7 +571,7 @@
           <a:p>
             <a:fld id="{9885E586-6A96-4D07-ACD4-1C1BB9A93CCD}" type="datetimeFigureOut">
               <a:rPr lang="en-US" smtClean="0"/>
-              <a:t>9/6/2024</a:t>
+              <a:t>9/20/2024</a:t>
             </a:fld>
             <a:endParaRPr lang="en-US"/>
           </a:p>
@@ -769,7 +769,7 @@
           <a:p>
             <a:fld id="{9885E586-6A96-4D07-ACD4-1C1BB9A93CCD}" type="datetimeFigureOut">
               <a:rPr lang="en-US" smtClean="0"/>
-              <a:t>9/6/2024</a:t>
+              <a:t>9/20/2024</a:t>
             </a:fld>
             <a:endParaRPr lang="en-US"/>
           </a:p>
@@ -977,7 +977,7 @@
           <a:p>
             <a:fld id="{9885E586-6A96-4D07-ACD4-1C1BB9A93CCD}" type="datetimeFigureOut">
               <a:rPr lang="en-US" smtClean="0"/>
-              <a:t>9/6/2024</a:t>
+              <a:t>9/20/2024</a:t>
             </a:fld>
             <a:endParaRPr lang="en-US"/>
           </a:p>
@@ -1175,7 +1175,7 @@
           <a:p>
             <a:fld id="{9885E586-6A96-4D07-ACD4-1C1BB9A93CCD}" type="datetimeFigureOut">
               <a:rPr lang="en-US" smtClean="0"/>
-              <a:t>9/6/2024</a:t>
+              <a:t>9/20/2024</a:t>
             </a:fld>
             <a:endParaRPr lang="en-US"/>
           </a:p>
@@ -1450,7 +1450,7 @@
           <a:p>
             <a:fld id="{9885E586-6A96-4D07-ACD4-1C1BB9A93CCD}" type="datetimeFigureOut">
               <a:rPr lang="en-US" smtClean="0"/>
-              <a:t>9/6/2024</a:t>
+              <a:t>9/20/2024</a:t>
             </a:fld>
             <a:endParaRPr lang="en-US"/>
           </a:p>
@@ -1715,7 +1715,7 @@
           <a:p>
             <a:fld id="{9885E586-6A96-4D07-ACD4-1C1BB9A93CCD}" type="datetimeFigureOut">
               <a:rPr lang="en-US" smtClean="0"/>
-              <a:t>9/6/2024</a:t>
+              <a:t>9/20/2024</a:t>
             </a:fld>
             <a:endParaRPr lang="en-US"/>
           </a:p>
@@ -2127,7 +2127,7 @@
           <a:p>
             <a:fld id="{9885E586-6A96-4D07-ACD4-1C1BB9A93CCD}" type="datetimeFigureOut">
               <a:rPr lang="en-US" smtClean="0"/>
-              <a:t>9/6/2024</a:t>
+              <a:t>9/20/2024</a:t>
             </a:fld>
             <a:endParaRPr lang="en-US"/>
           </a:p>
@@ -2268,7 +2268,7 @@
           <a:p>
             <a:fld id="{9885E586-6A96-4D07-ACD4-1C1BB9A93CCD}" type="datetimeFigureOut">
               <a:rPr lang="en-US" smtClean="0"/>
-              <a:t>9/6/2024</a:t>
+              <a:t>9/20/2024</a:t>
             </a:fld>
             <a:endParaRPr lang="en-US"/>
           </a:p>
@@ -2381,7 +2381,7 @@
           <a:p>
             <a:fld id="{9885E586-6A96-4D07-ACD4-1C1BB9A93CCD}" type="datetimeFigureOut">
               <a:rPr lang="en-US" smtClean="0"/>
-              <a:t>9/6/2024</a:t>
+              <a:t>9/20/2024</a:t>
             </a:fld>
             <a:endParaRPr lang="en-US"/>
           </a:p>
@@ -2692,7 +2692,7 @@
           <a:p>
             <a:fld id="{9885E586-6A96-4D07-ACD4-1C1BB9A93CCD}" type="datetimeFigureOut">
               <a:rPr lang="en-US" smtClean="0"/>
-              <a:t>9/6/2024</a:t>
+              <a:t>9/20/2024</a:t>
             </a:fld>
             <a:endParaRPr lang="en-US"/>
           </a:p>
@@ -2980,7 +2980,7 @@
           <a:p>
             <a:fld id="{9885E586-6A96-4D07-ACD4-1C1BB9A93CCD}" type="datetimeFigureOut">
               <a:rPr lang="en-US" smtClean="0"/>
-              <a:t>9/6/2024</a:t>
+              <a:t>9/20/2024</a:t>
             </a:fld>
             <a:endParaRPr lang="en-US"/>
           </a:p>
@@ -3221,7 +3221,7 @@
           <a:p>
             <a:fld id="{9885E586-6A96-4D07-ACD4-1C1BB9A93CCD}" type="datetimeFigureOut">
               <a:rPr lang="en-US" smtClean="0"/>
-              <a:t>9/6/2024</a:t>
+              <a:t>9/20/2024</a:t>
             </a:fld>
             <a:endParaRPr lang="en-US"/>
           </a:p>
@@ -3640,10 +3640,10 @@
       </p:grpSpPr>
       <p:pic>
         <p:nvPicPr>
-          <p:cNvPr id="10" name="Picture 9">
-            <a:extLst>
-              <a:ext uri="{FF2B5EF4-FFF2-40B4-BE49-F238E27FC236}">
-                <a16:creationId xmlns:a16="http://schemas.microsoft.com/office/drawing/2014/main" id="{63DDB790-F4A1-F8AC-9433-5198C88BF243}"/>
+          <p:cNvPr id="3" name="Picture 2">
+            <a:extLst>
+              <a:ext uri="{FF2B5EF4-FFF2-40B4-BE49-F238E27FC236}">
+                <a16:creationId xmlns:a16="http://schemas.microsoft.com/office/drawing/2014/main" id="{5A22F976-D686-132D-4D47-788883484AB1}"/>
               </a:ext>
             </a:extLst>
           </p:cNvPr>
@@ -3660,8 +3660,8 @@
         </p:blipFill>
         <p:spPr>
           <a:xfrm>
-            <a:off x="2003901" y="984153"/>
-            <a:ext cx="7511412" cy="4559397"/>
+            <a:off x="2094479" y="880109"/>
+            <a:ext cx="8003042" cy="5097782"/>
           </a:xfrm>
           <a:prstGeom prst="rect">
             <a:avLst/>
@@ -3743,7 +3743,7 @@
         </p:nvSpPr>
         <p:spPr>
           <a:xfrm>
-            <a:off x="3234690" y="3592830"/>
+            <a:off x="3145317" y="3101340"/>
             <a:ext cx="491490" cy="491490"/>
           </a:xfrm>
           <a:prstGeom prst="ellipse">
@@ -3804,7 +3804,7 @@
         </p:nvSpPr>
         <p:spPr>
           <a:xfrm>
-            <a:off x="2653827" y="4511040"/>
+            <a:off x="2802417" y="4048125"/>
             <a:ext cx="491490" cy="491490"/>
           </a:xfrm>
           <a:prstGeom prst="ellipse">
@@ -3865,7 +3865,7 @@
         </p:nvSpPr>
         <p:spPr>
           <a:xfrm>
-            <a:off x="6884670" y="3347085"/>
+            <a:off x="6608084" y="2937510"/>
             <a:ext cx="491490" cy="491490"/>
           </a:xfrm>
           <a:prstGeom prst="ellipse">
@@ -4187,10 +4187,10 @@
       </p:grpSpPr>
       <p:pic>
         <p:nvPicPr>
-          <p:cNvPr id="3" name="Picture 2">
-            <a:extLst>
-              <a:ext uri="{FF2B5EF4-FFF2-40B4-BE49-F238E27FC236}">
-                <a16:creationId xmlns:a16="http://schemas.microsoft.com/office/drawing/2014/main" id="{83EA75A4-B7C7-D2AC-B3A8-592620079C17}"/>
+          <p:cNvPr id="9" name="Picture 8">
+            <a:extLst>
+              <a:ext uri="{FF2B5EF4-FFF2-40B4-BE49-F238E27FC236}">
+                <a16:creationId xmlns:a16="http://schemas.microsoft.com/office/drawing/2014/main" id="{30B34952-47AB-6B3C-F47F-34F832625648}"/>
               </a:ext>
             </a:extLst>
           </p:cNvPr>
@@ -4207,8 +4207,8 @@
         </p:blipFill>
         <p:spPr>
           <a:xfrm>
-            <a:off x="1793654" y="1317516"/>
-            <a:ext cx="8604692" cy="4222967"/>
+            <a:off x="1653327" y="891539"/>
+            <a:ext cx="8885346" cy="5074922"/>
           </a:xfrm>
           <a:prstGeom prst="rect">
             <a:avLst/>
@@ -4229,7 +4229,7 @@
         </p:nvSpPr>
         <p:spPr>
           <a:xfrm>
-            <a:off x="4680585" y="2548890"/>
+            <a:off x="5000625" y="2217420"/>
             <a:ext cx="491490" cy="491490"/>
           </a:xfrm>
           <a:prstGeom prst="ellipse">
@@ -4290,7 +4290,7 @@
         </p:nvSpPr>
         <p:spPr>
           <a:xfrm>
-            <a:off x="3091815" y="3851910"/>
+            <a:off x="3114675" y="4263390"/>
             <a:ext cx="491490" cy="491490"/>
           </a:xfrm>
           <a:prstGeom prst="ellipse">
@@ -4351,7 +4351,7 @@
         </p:nvSpPr>
         <p:spPr>
           <a:xfrm>
-            <a:off x="4244340" y="4606290"/>
+            <a:off x="5850255" y="3891915"/>
             <a:ext cx="491490" cy="491490"/>
           </a:xfrm>
           <a:prstGeom prst="ellipse">
@@ -4394,6 +4394,67 @@
                 </a:solidFill>
               </a:rPr>
               <a:t>3</a:t>
+            </a:r>
+          </a:p>
+        </p:txBody>
+      </p:sp>
+      <p:sp>
+        <p:nvSpPr>
+          <p:cNvPr id="10" name="Oval 9">
+            <a:extLst>
+              <a:ext uri="{FF2B5EF4-FFF2-40B4-BE49-F238E27FC236}">
+                <a16:creationId xmlns:a16="http://schemas.microsoft.com/office/drawing/2014/main" id="{CAE7BEE2-9138-C163-2BE3-D4E353410264}"/>
+              </a:ext>
+            </a:extLst>
+          </p:cNvPr>
+          <p:cNvSpPr/>
+          <p:nvPr/>
+        </p:nvSpPr>
+        <p:spPr>
+          <a:xfrm>
+            <a:off x="4352925" y="4941570"/>
+            <a:ext cx="491490" cy="491490"/>
+          </a:xfrm>
+          <a:prstGeom prst="ellipse">
+            <a:avLst/>
+          </a:prstGeom>
+          <a:solidFill>
+            <a:srgbClr val="FFFF00"/>
+          </a:solidFill>
+          <a:ln>
+            <a:solidFill>
+              <a:schemeClr val="tx1"/>
+            </a:solidFill>
+          </a:ln>
+        </p:spPr>
+        <p:style>
+          <a:lnRef idx="2">
+            <a:schemeClr val="accent1">
+              <a:shade val="15000"/>
+            </a:schemeClr>
+          </a:lnRef>
+          <a:fillRef idx="1">
+            <a:schemeClr val="accent1"/>
+          </a:fillRef>
+          <a:effectRef idx="0">
+            <a:schemeClr val="accent1"/>
+          </a:effectRef>
+          <a:fontRef idx="minor">
+            <a:schemeClr val="lt1"/>
+          </a:fontRef>
+        </p:style>
+        <p:txBody>
+          <a:bodyPr rtlCol="0" anchor="ctr"/>
+          <a:lstStyle/>
+          <a:p>
+            <a:pPr algn="ctr"/>
+            <a:r>
+              <a:rPr lang="en-US" b="1" dirty="0">
+                <a:solidFill>
+                  <a:schemeClr val="tx1"/>
+                </a:solidFill>
+              </a:rPr>
+              <a:t>4</a:t>
             </a:r>
           </a:p>
         </p:txBody>

--- a/docs/VDJ User Manual Images.pptx
+++ b/docs/VDJ User Manual Images.pptx
@@ -13,6 +13,8 @@
     <p:sldId id="261" r:id="rId7"/>
     <p:sldId id="262" r:id="rId8"/>
     <p:sldId id="263" r:id="rId9"/>
+    <p:sldId id="264" r:id="rId10"/>
+    <p:sldId id="265" r:id="rId11"/>
   </p:sldIdLst>
   <p:sldSz cx="12192000" cy="6858000"/>
   <p:notesSz cx="6858000" cy="9144000"/>
@@ -571,7 +573,7 @@
           <a:p>
             <a:fld id="{9885E586-6A96-4D07-ACD4-1C1BB9A93CCD}" type="datetimeFigureOut">
               <a:rPr lang="en-US" smtClean="0"/>
-              <a:t>9/20/2024</a:t>
+              <a:t>10/22/2024</a:t>
             </a:fld>
             <a:endParaRPr lang="en-US"/>
           </a:p>
@@ -769,7 +771,7 @@
           <a:p>
             <a:fld id="{9885E586-6A96-4D07-ACD4-1C1BB9A93CCD}" type="datetimeFigureOut">
               <a:rPr lang="en-US" smtClean="0"/>
-              <a:t>9/20/2024</a:t>
+              <a:t>10/22/2024</a:t>
             </a:fld>
             <a:endParaRPr lang="en-US"/>
           </a:p>
@@ -977,7 +979,7 @@
           <a:p>
             <a:fld id="{9885E586-6A96-4D07-ACD4-1C1BB9A93CCD}" type="datetimeFigureOut">
               <a:rPr lang="en-US" smtClean="0"/>
-              <a:t>9/20/2024</a:t>
+              <a:t>10/22/2024</a:t>
             </a:fld>
             <a:endParaRPr lang="en-US"/>
           </a:p>
@@ -1175,7 +1177,7 @@
           <a:p>
             <a:fld id="{9885E586-6A96-4D07-ACD4-1C1BB9A93CCD}" type="datetimeFigureOut">
               <a:rPr lang="en-US" smtClean="0"/>
-              <a:t>9/20/2024</a:t>
+              <a:t>10/22/2024</a:t>
             </a:fld>
             <a:endParaRPr lang="en-US"/>
           </a:p>
@@ -1450,7 +1452,7 @@
           <a:p>
             <a:fld id="{9885E586-6A96-4D07-ACD4-1C1BB9A93CCD}" type="datetimeFigureOut">
               <a:rPr lang="en-US" smtClean="0"/>
-              <a:t>9/20/2024</a:t>
+              <a:t>10/22/2024</a:t>
             </a:fld>
             <a:endParaRPr lang="en-US"/>
           </a:p>
@@ -1715,7 +1717,7 @@
           <a:p>
             <a:fld id="{9885E586-6A96-4D07-ACD4-1C1BB9A93CCD}" type="datetimeFigureOut">
               <a:rPr lang="en-US" smtClean="0"/>
-              <a:t>9/20/2024</a:t>
+              <a:t>10/22/2024</a:t>
             </a:fld>
             <a:endParaRPr lang="en-US"/>
           </a:p>
@@ -2127,7 +2129,7 @@
           <a:p>
             <a:fld id="{9885E586-6A96-4D07-ACD4-1C1BB9A93CCD}" type="datetimeFigureOut">
               <a:rPr lang="en-US" smtClean="0"/>
-              <a:t>9/20/2024</a:t>
+              <a:t>10/22/2024</a:t>
             </a:fld>
             <a:endParaRPr lang="en-US"/>
           </a:p>
@@ -2268,7 +2270,7 @@
           <a:p>
             <a:fld id="{9885E586-6A96-4D07-ACD4-1C1BB9A93CCD}" type="datetimeFigureOut">
               <a:rPr lang="en-US" smtClean="0"/>
-              <a:t>9/20/2024</a:t>
+              <a:t>10/22/2024</a:t>
             </a:fld>
             <a:endParaRPr lang="en-US"/>
           </a:p>
@@ -2381,7 +2383,7 @@
           <a:p>
             <a:fld id="{9885E586-6A96-4D07-ACD4-1C1BB9A93CCD}" type="datetimeFigureOut">
               <a:rPr lang="en-US" smtClean="0"/>
-              <a:t>9/20/2024</a:t>
+              <a:t>10/22/2024</a:t>
             </a:fld>
             <a:endParaRPr lang="en-US"/>
           </a:p>
@@ -2692,7 +2694,7 @@
           <a:p>
             <a:fld id="{9885E586-6A96-4D07-ACD4-1C1BB9A93CCD}" type="datetimeFigureOut">
               <a:rPr lang="en-US" smtClean="0"/>
-              <a:t>9/20/2024</a:t>
+              <a:t>10/22/2024</a:t>
             </a:fld>
             <a:endParaRPr lang="en-US"/>
           </a:p>
@@ -2980,7 +2982,7 @@
           <a:p>
             <a:fld id="{9885E586-6A96-4D07-ACD4-1C1BB9A93CCD}" type="datetimeFigureOut">
               <a:rPr lang="en-US" smtClean="0"/>
-              <a:t>9/20/2024</a:t>
+              <a:t>10/22/2024</a:t>
             </a:fld>
             <a:endParaRPr lang="en-US"/>
           </a:p>
@@ -3221,7 +3223,7 @@
           <a:p>
             <a:fld id="{9885E586-6A96-4D07-ACD4-1C1BB9A93CCD}" type="datetimeFigureOut">
               <a:rPr lang="en-US" smtClean="0"/>
-              <a:t>9/20/2024</a:t>
+              <a:t>10/22/2024</a:t>
             </a:fld>
             <a:endParaRPr lang="en-US"/>
           </a:p>
@@ -3925,6 +3927,188 @@
 </p:sld>
 </file>
 
+<file path=ppt/slides/slide10.xml><?xml version="1.0" encoding="utf-8"?>
+<p:sld xmlns:a="http://schemas.openxmlformats.org/drawingml/2006/main" xmlns:r="http://schemas.openxmlformats.org/officeDocument/2006/relationships" xmlns:p="http://schemas.openxmlformats.org/presentationml/2006/main">
+  <p:cSld>
+    <p:spTree>
+      <p:nvGrpSpPr>
+        <p:cNvPr id="1" name=""/>
+        <p:cNvGrpSpPr/>
+        <p:nvPr/>
+      </p:nvGrpSpPr>
+      <p:grpSpPr>
+        <a:xfrm>
+          <a:off x="0" y="0"/>
+          <a:ext cx="0" cy="0"/>
+          <a:chOff x="0" y="0"/>
+          <a:chExt cx="0" cy="0"/>
+        </a:xfrm>
+      </p:grpSpPr>
+      <p:pic>
+        <p:nvPicPr>
+          <p:cNvPr id="5" name="Picture 4">
+            <a:extLst>
+              <a:ext uri="{FF2B5EF4-FFF2-40B4-BE49-F238E27FC236}">
+                <a16:creationId xmlns:a16="http://schemas.microsoft.com/office/drawing/2014/main" id="{77B6BD92-0532-E54D-A91F-BBB71D98F9B0}"/>
+              </a:ext>
+            </a:extLst>
+          </p:cNvPr>
+          <p:cNvPicPr>
+            <a:picLocks noChangeAspect="1"/>
+          </p:cNvPicPr>
+          <p:nvPr/>
+        </p:nvPicPr>
+        <p:blipFill>
+          <a:blip r:embed="rId2"/>
+          <a:stretch>
+            <a:fillRect/>
+          </a:stretch>
+        </p:blipFill>
+        <p:spPr>
+          <a:xfrm>
+            <a:off x="1954530" y="646076"/>
+            <a:ext cx="8572766" cy="5731864"/>
+          </a:xfrm>
+          <a:prstGeom prst="rect">
+            <a:avLst/>
+          </a:prstGeom>
+        </p:spPr>
+      </p:pic>
+      <p:sp>
+        <p:nvSpPr>
+          <p:cNvPr id="6" name="Oval 5">
+            <a:extLst>
+              <a:ext uri="{FF2B5EF4-FFF2-40B4-BE49-F238E27FC236}">
+                <a16:creationId xmlns:a16="http://schemas.microsoft.com/office/drawing/2014/main" id="{265A989B-5733-97CC-91BF-AAFEF918DA32}"/>
+              </a:ext>
+            </a:extLst>
+          </p:cNvPr>
+          <p:cNvSpPr/>
+          <p:nvPr/>
+        </p:nvSpPr>
+        <p:spPr>
+          <a:xfrm>
+            <a:off x="6240913" y="2394585"/>
+            <a:ext cx="491490" cy="491490"/>
+          </a:xfrm>
+          <a:prstGeom prst="ellipse">
+            <a:avLst/>
+          </a:prstGeom>
+          <a:solidFill>
+            <a:srgbClr val="FFFF00"/>
+          </a:solidFill>
+          <a:ln>
+            <a:solidFill>
+              <a:schemeClr val="tx1"/>
+            </a:solidFill>
+          </a:ln>
+        </p:spPr>
+        <p:style>
+          <a:lnRef idx="2">
+            <a:schemeClr val="accent1">
+              <a:shade val="15000"/>
+            </a:schemeClr>
+          </a:lnRef>
+          <a:fillRef idx="1">
+            <a:schemeClr val="accent1"/>
+          </a:fillRef>
+          <a:effectRef idx="0">
+            <a:schemeClr val="accent1"/>
+          </a:effectRef>
+          <a:fontRef idx="minor">
+            <a:schemeClr val="lt1"/>
+          </a:fontRef>
+        </p:style>
+        <p:txBody>
+          <a:bodyPr rtlCol="0" anchor="ctr"/>
+          <a:lstStyle/>
+          <a:p>
+            <a:pPr algn="ctr"/>
+            <a:r>
+              <a:rPr lang="en-US" b="1" dirty="0">
+                <a:solidFill>
+                  <a:schemeClr val="tx1"/>
+                </a:solidFill>
+              </a:rPr>
+              <a:t>2</a:t>
+            </a:r>
+          </a:p>
+        </p:txBody>
+      </p:sp>
+      <p:sp>
+        <p:nvSpPr>
+          <p:cNvPr id="7" name="Oval 6">
+            <a:extLst>
+              <a:ext uri="{FF2B5EF4-FFF2-40B4-BE49-F238E27FC236}">
+                <a16:creationId xmlns:a16="http://schemas.microsoft.com/office/drawing/2014/main" id="{AE9C69B4-2709-9EE7-5BDF-0B50123D4C9B}"/>
+              </a:ext>
+            </a:extLst>
+          </p:cNvPr>
+          <p:cNvSpPr/>
+          <p:nvPr/>
+        </p:nvSpPr>
+        <p:spPr>
+          <a:xfrm>
+            <a:off x="5995168" y="5517320"/>
+            <a:ext cx="491490" cy="491490"/>
+          </a:xfrm>
+          <a:prstGeom prst="ellipse">
+            <a:avLst/>
+          </a:prstGeom>
+          <a:solidFill>
+            <a:srgbClr val="FFFF00"/>
+          </a:solidFill>
+          <a:ln>
+            <a:solidFill>
+              <a:schemeClr val="tx1"/>
+            </a:solidFill>
+          </a:ln>
+        </p:spPr>
+        <p:style>
+          <a:lnRef idx="2">
+            <a:schemeClr val="accent1">
+              <a:shade val="15000"/>
+            </a:schemeClr>
+          </a:lnRef>
+          <a:fillRef idx="1">
+            <a:schemeClr val="accent1"/>
+          </a:fillRef>
+          <a:effectRef idx="0">
+            <a:schemeClr val="accent1"/>
+          </a:effectRef>
+          <a:fontRef idx="minor">
+            <a:schemeClr val="lt1"/>
+          </a:fontRef>
+        </p:style>
+        <p:txBody>
+          <a:bodyPr rtlCol="0" anchor="ctr"/>
+          <a:lstStyle/>
+          <a:p>
+            <a:pPr algn="ctr"/>
+            <a:r>
+              <a:rPr lang="en-US" b="1" dirty="0">
+                <a:solidFill>
+                  <a:schemeClr val="tx1"/>
+                </a:solidFill>
+              </a:rPr>
+              <a:t>1</a:t>
+            </a:r>
+          </a:p>
+        </p:txBody>
+      </p:sp>
+    </p:spTree>
+    <p:extLst>
+      <p:ext uri="{BB962C8B-B14F-4D97-AF65-F5344CB8AC3E}">
+        <p14:creationId xmlns:p14="http://schemas.microsoft.com/office/powerpoint/2010/main" val="875915355"/>
+      </p:ext>
+    </p:extLst>
+  </p:cSld>
+  <p:clrMapOvr>
+    <a:masterClrMapping/>
+  </p:clrMapOvr>
+</p:sld>
+</file>
+
 <file path=ppt/slides/slide2.xml><?xml version="1.0" encoding="utf-8"?>
 <p:sld xmlns:a="http://schemas.openxmlformats.org/drawingml/2006/main" xmlns:r="http://schemas.openxmlformats.org/officeDocument/2006/relationships" xmlns:p="http://schemas.openxmlformats.org/presentationml/2006/main">
   <p:cSld>
@@ -5617,6 +5801,249 @@
     <p:extLst>
       <p:ext uri="{BB962C8B-B14F-4D97-AF65-F5344CB8AC3E}">
         <p14:creationId xmlns:p14="http://schemas.microsoft.com/office/powerpoint/2010/main" val="392895993"/>
+      </p:ext>
+    </p:extLst>
+  </p:cSld>
+  <p:clrMapOvr>
+    <a:masterClrMapping/>
+  </p:clrMapOvr>
+</p:sld>
+</file>
+
+<file path=ppt/slides/slide9.xml><?xml version="1.0" encoding="utf-8"?>
+<p:sld xmlns:a="http://schemas.openxmlformats.org/drawingml/2006/main" xmlns:r="http://schemas.openxmlformats.org/officeDocument/2006/relationships" xmlns:p="http://schemas.openxmlformats.org/presentationml/2006/main">
+  <p:cSld>
+    <p:spTree>
+      <p:nvGrpSpPr>
+        <p:cNvPr id="1" name=""/>
+        <p:cNvGrpSpPr/>
+        <p:nvPr/>
+      </p:nvGrpSpPr>
+      <p:grpSpPr>
+        <a:xfrm>
+          <a:off x="0" y="0"/>
+          <a:ext cx="0" cy="0"/>
+          <a:chOff x="0" y="0"/>
+          <a:chExt cx="0" cy="0"/>
+        </a:xfrm>
+      </p:grpSpPr>
+      <p:pic>
+        <p:nvPicPr>
+          <p:cNvPr id="5" name="Picture 4">
+            <a:extLst>
+              <a:ext uri="{FF2B5EF4-FFF2-40B4-BE49-F238E27FC236}">
+                <a16:creationId xmlns:a16="http://schemas.microsoft.com/office/drawing/2014/main" id="{A0DD69B0-5398-254F-B942-C6966CD94010}"/>
+              </a:ext>
+            </a:extLst>
+          </p:cNvPr>
+          <p:cNvPicPr>
+            <a:picLocks noChangeAspect="1"/>
+          </p:cNvPicPr>
+          <p:nvPr/>
+        </p:nvPicPr>
+        <p:blipFill>
+          <a:blip r:embed="rId2"/>
+          <a:stretch>
+            <a:fillRect/>
+          </a:stretch>
+        </p:blipFill>
+        <p:spPr>
+          <a:xfrm>
+            <a:off x="1200150" y="686824"/>
+            <a:ext cx="9791700" cy="5484352"/>
+          </a:xfrm>
+          <a:prstGeom prst="rect">
+            <a:avLst/>
+          </a:prstGeom>
+        </p:spPr>
+      </p:pic>
+      <p:sp>
+        <p:nvSpPr>
+          <p:cNvPr id="6" name="Oval 5">
+            <a:extLst>
+              <a:ext uri="{FF2B5EF4-FFF2-40B4-BE49-F238E27FC236}">
+                <a16:creationId xmlns:a16="http://schemas.microsoft.com/office/drawing/2014/main" id="{8EC56C1E-16D3-1289-2B45-B09DCF761600}"/>
+              </a:ext>
+            </a:extLst>
+          </p:cNvPr>
+          <p:cNvSpPr/>
+          <p:nvPr/>
+        </p:nvSpPr>
+        <p:spPr>
+          <a:xfrm>
+            <a:off x="3427096" y="2646045"/>
+            <a:ext cx="491490" cy="491490"/>
+          </a:xfrm>
+          <a:prstGeom prst="ellipse">
+            <a:avLst/>
+          </a:prstGeom>
+          <a:solidFill>
+            <a:srgbClr val="FFFF00"/>
+          </a:solidFill>
+          <a:ln>
+            <a:solidFill>
+              <a:schemeClr val="tx1"/>
+            </a:solidFill>
+          </a:ln>
+        </p:spPr>
+        <p:style>
+          <a:lnRef idx="2">
+            <a:schemeClr val="accent1">
+              <a:shade val="15000"/>
+            </a:schemeClr>
+          </a:lnRef>
+          <a:fillRef idx="1">
+            <a:schemeClr val="accent1"/>
+          </a:fillRef>
+          <a:effectRef idx="0">
+            <a:schemeClr val="accent1"/>
+          </a:effectRef>
+          <a:fontRef idx="minor">
+            <a:schemeClr val="lt1"/>
+          </a:fontRef>
+        </p:style>
+        <p:txBody>
+          <a:bodyPr rtlCol="0" anchor="ctr"/>
+          <a:lstStyle/>
+          <a:p>
+            <a:pPr algn="ctr"/>
+            <a:r>
+              <a:rPr lang="en-US" b="1" dirty="0">
+                <a:solidFill>
+                  <a:schemeClr val="tx1"/>
+                </a:solidFill>
+              </a:rPr>
+              <a:t>1</a:t>
+            </a:r>
+          </a:p>
+        </p:txBody>
+      </p:sp>
+      <p:sp>
+        <p:nvSpPr>
+          <p:cNvPr id="7" name="Oval 6">
+            <a:extLst>
+              <a:ext uri="{FF2B5EF4-FFF2-40B4-BE49-F238E27FC236}">
+                <a16:creationId xmlns:a16="http://schemas.microsoft.com/office/drawing/2014/main" id="{F34A3C1C-8702-B732-BD06-120C302EC5AE}"/>
+              </a:ext>
+            </a:extLst>
+          </p:cNvPr>
+          <p:cNvSpPr/>
+          <p:nvPr/>
+        </p:nvSpPr>
+        <p:spPr>
+          <a:xfrm>
+            <a:off x="3918586" y="3917120"/>
+            <a:ext cx="491490" cy="491490"/>
+          </a:xfrm>
+          <a:prstGeom prst="ellipse">
+            <a:avLst/>
+          </a:prstGeom>
+          <a:solidFill>
+            <a:srgbClr val="FFFF00"/>
+          </a:solidFill>
+          <a:ln>
+            <a:solidFill>
+              <a:schemeClr val="tx1"/>
+            </a:solidFill>
+          </a:ln>
+        </p:spPr>
+        <p:style>
+          <a:lnRef idx="2">
+            <a:schemeClr val="accent1">
+              <a:shade val="15000"/>
+            </a:schemeClr>
+          </a:lnRef>
+          <a:fillRef idx="1">
+            <a:schemeClr val="accent1"/>
+          </a:fillRef>
+          <a:effectRef idx="0">
+            <a:schemeClr val="accent1"/>
+          </a:effectRef>
+          <a:fontRef idx="minor">
+            <a:schemeClr val="lt1"/>
+          </a:fontRef>
+        </p:style>
+        <p:txBody>
+          <a:bodyPr rtlCol="0" anchor="ctr"/>
+          <a:lstStyle/>
+          <a:p>
+            <a:pPr algn="ctr"/>
+            <a:r>
+              <a:rPr lang="en-US" b="1" dirty="0">
+                <a:solidFill>
+                  <a:schemeClr val="tx1"/>
+                </a:solidFill>
+              </a:rPr>
+              <a:t>2</a:t>
+            </a:r>
+          </a:p>
+        </p:txBody>
+      </p:sp>
+      <p:sp>
+        <p:nvSpPr>
+          <p:cNvPr id="8" name="Oval 7">
+            <a:extLst>
+              <a:ext uri="{FF2B5EF4-FFF2-40B4-BE49-F238E27FC236}">
+                <a16:creationId xmlns:a16="http://schemas.microsoft.com/office/drawing/2014/main" id="{C57B49F7-9AF1-1AC1-5015-46F8DB833791}"/>
+              </a:ext>
+            </a:extLst>
+          </p:cNvPr>
+          <p:cNvSpPr/>
+          <p:nvPr/>
+        </p:nvSpPr>
+        <p:spPr>
+          <a:xfrm>
+            <a:off x="3613787" y="5116246"/>
+            <a:ext cx="491490" cy="491490"/>
+          </a:xfrm>
+          <a:prstGeom prst="ellipse">
+            <a:avLst/>
+          </a:prstGeom>
+          <a:solidFill>
+            <a:srgbClr val="FFFF00"/>
+          </a:solidFill>
+          <a:ln>
+            <a:solidFill>
+              <a:schemeClr val="tx1"/>
+            </a:solidFill>
+          </a:ln>
+        </p:spPr>
+        <p:style>
+          <a:lnRef idx="2">
+            <a:schemeClr val="accent1">
+              <a:shade val="15000"/>
+            </a:schemeClr>
+          </a:lnRef>
+          <a:fillRef idx="1">
+            <a:schemeClr val="accent1"/>
+          </a:fillRef>
+          <a:effectRef idx="0">
+            <a:schemeClr val="accent1"/>
+          </a:effectRef>
+          <a:fontRef idx="minor">
+            <a:schemeClr val="lt1"/>
+          </a:fontRef>
+        </p:style>
+        <p:txBody>
+          <a:bodyPr rtlCol="0" anchor="ctr"/>
+          <a:lstStyle/>
+          <a:p>
+            <a:pPr algn="ctr"/>
+            <a:r>
+              <a:rPr lang="en-US" b="1" dirty="0">
+                <a:solidFill>
+                  <a:schemeClr val="tx1"/>
+                </a:solidFill>
+              </a:rPr>
+              <a:t>3</a:t>
+            </a:r>
+          </a:p>
+        </p:txBody>
+      </p:sp>
+    </p:spTree>
+    <p:extLst>
+      <p:ext uri="{BB962C8B-B14F-4D97-AF65-F5344CB8AC3E}">
+        <p14:creationId xmlns:p14="http://schemas.microsoft.com/office/powerpoint/2010/main" val="351008806"/>
       </p:ext>
     </p:extLst>
   </p:cSld>

--- a/docs/VDJ User Manual Images.pptx
+++ b/docs/VDJ User Manual Images.pptx
@@ -15,6 +15,7 @@
     <p:sldId id="263" r:id="rId9"/>
     <p:sldId id="264" r:id="rId10"/>
     <p:sldId id="265" r:id="rId11"/>
+    <p:sldId id="266" r:id="rId12"/>
   </p:sldIdLst>
   <p:sldSz cx="12192000" cy="6858000"/>
   <p:notesSz cx="6858000" cy="9144000"/>
@@ -573,7 +574,7 @@
           <a:p>
             <a:fld id="{9885E586-6A96-4D07-ACD4-1C1BB9A93CCD}" type="datetimeFigureOut">
               <a:rPr lang="en-US" smtClean="0"/>
-              <a:t>10/22/2024</a:t>
+              <a:t>10/24/2025</a:t>
             </a:fld>
             <a:endParaRPr lang="en-US"/>
           </a:p>
@@ -771,7 +772,7 @@
           <a:p>
             <a:fld id="{9885E586-6A96-4D07-ACD4-1C1BB9A93CCD}" type="datetimeFigureOut">
               <a:rPr lang="en-US" smtClean="0"/>
-              <a:t>10/22/2024</a:t>
+              <a:t>10/24/2025</a:t>
             </a:fld>
             <a:endParaRPr lang="en-US"/>
           </a:p>
@@ -979,7 +980,7 @@
           <a:p>
             <a:fld id="{9885E586-6A96-4D07-ACD4-1C1BB9A93CCD}" type="datetimeFigureOut">
               <a:rPr lang="en-US" smtClean="0"/>
-              <a:t>10/22/2024</a:t>
+              <a:t>10/24/2025</a:t>
             </a:fld>
             <a:endParaRPr lang="en-US"/>
           </a:p>
@@ -1177,7 +1178,7 @@
           <a:p>
             <a:fld id="{9885E586-6A96-4D07-ACD4-1C1BB9A93CCD}" type="datetimeFigureOut">
               <a:rPr lang="en-US" smtClean="0"/>
-              <a:t>10/22/2024</a:t>
+              <a:t>10/24/2025</a:t>
             </a:fld>
             <a:endParaRPr lang="en-US"/>
           </a:p>
@@ -1452,7 +1453,7 @@
           <a:p>
             <a:fld id="{9885E586-6A96-4D07-ACD4-1C1BB9A93CCD}" type="datetimeFigureOut">
               <a:rPr lang="en-US" smtClean="0"/>
-              <a:t>10/22/2024</a:t>
+              <a:t>10/24/2025</a:t>
             </a:fld>
             <a:endParaRPr lang="en-US"/>
           </a:p>
@@ -1717,7 +1718,7 @@
           <a:p>
             <a:fld id="{9885E586-6A96-4D07-ACD4-1C1BB9A93CCD}" type="datetimeFigureOut">
               <a:rPr lang="en-US" smtClean="0"/>
-              <a:t>10/22/2024</a:t>
+              <a:t>10/24/2025</a:t>
             </a:fld>
             <a:endParaRPr lang="en-US"/>
           </a:p>
@@ -2129,7 +2130,7 @@
           <a:p>
             <a:fld id="{9885E586-6A96-4D07-ACD4-1C1BB9A93CCD}" type="datetimeFigureOut">
               <a:rPr lang="en-US" smtClean="0"/>
-              <a:t>10/22/2024</a:t>
+              <a:t>10/24/2025</a:t>
             </a:fld>
             <a:endParaRPr lang="en-US"/>
           </a:p>
@@ -2270,7 +2271,7 @@
           <a:p>
             <a:fld id="{9885E586-6A96-4D07-ACD4-1C1BB9A93CCD}" type="datetimeFigureOut">
               <a:rPr lang="en-US" smtClean="0"/>
-              <a:t>10/22/2024</a:t>
+              <a:t>10/24/2025</a:t>
             </a:fld>
             <a:endParaRPr lang="en-US"/>
           </a:p>
@@ -2383,7 +2384,7 @@
           <a:p>
             <a:fld id="{9885E586-6A96-4D07-ACD4-1C1BB9A93CCD}" type="datetimeFigureOut">
               <a:rPr lang="en-US" smtClean="0"/>
-              <a:t>10/22/2024</a:t>
+              <a:t>10/24/2025</a:t>
             </a:fld>
             <a:endParaRPr lang="en-US"/>
           </a:p>
@@ -2694,7 +2695,7 @@
           <a:p>
             <a:fld id="{9885E586-6A96-4D07-ACD4-1C1BB9A93CCD}" type="datetimeFigureOut">
               <a:rPr lang="en-US" smtClean="0"/>
-              <a:t>10/22/2024</a:t>
+              <a:t>10/24/2025</a:t>
             </a:fld>
             <a:endParaRPr lang="en-US"/>
           </a:p>
@@ -2982,7 +2983,7 @@
           <a:p>
             <a:fld id="{9885E586-6A96-4D07-ACD4-1C1BB9A93CCD}" type="datetimeFigureOut">
               <a:rPr lang="en-US" smtClean="0"/>
-              <a:t>10/22/2024</a:t>
+              <a:t>10/24/2025</a:t>
             </a:fld>
             <a:endParaRPr lang="en-US"/>
           </a:p>
@@ -3223,7 +3224,7 @@
           <a:p>
             <a:fld id="{9885E586-6A96-4D07-ACD4-1C1BB9A93CCD}" type="datetimeFigureOut">
               <a:rPr lang="en-US" smtClean="0"/>
-              <a:t>10/22/2024</a:t>
+              <a:t>10/24/2025</a:t>
             </a:fld>
             <a:endParaRPr lang="en-US"/>
           </a:p>
@@ -4109,6 +4110,310 @@
 </p:sld>
 </file>
 
+<file path=ppt/slides/slide11.xml><?xml version="1.0" encoding="utf-8"?>
+<p:sld xmlns:a="http://schemas.openxmlformats.org/drawingml/2006/main" xmlns:r="http://schemas.openxmlformats.org/officeDocument/2006/relationships" xmlns:p="http://schemas.openxmlformats.org/presentationml/2006/main">
+  <p:cSld>
+    <p:spTree>
+      <p:nvGrpSpPr>
+        <p:cNvPr id="1" name=""/>
+        <p:cNvGrpSpPr/>
+        <p:nvPr/>
+      </p:nvGrpSpPr>
+      <p:grpSpPr>
+        <a:xfrm>
+          <a:off x="0" y="0"/>
+          <a:ext cx="0" cy="0"/>
+          <a:chOff x="0" y="0"/>
+          <a:chExt cx="0" cy="0"/>
+        </a:xfrm>
+      </p:grpSpPr>
+      <p:pic>
+        <p:nvPicPr>
+          <p:cNvPr id="5" name="Picture 4">
+            <a:extLst>
+              <a:ext uri="{FF2B5EF4-FFF2-40B4-BE49-F238E27FC236}">
+                <a16:creationId xmlns:a16="http://schemas.microsoft.com/office/drawing/2014/main" id="{2DA9105B-4B04-67AC-C3F5-DFC7B44114FD}"/>
+              </a:ext>
+            </a:extLst>
+          </p:cNvPr>
+          <p:cNvPicPr>
+            <a:picLocks noChangeAspect="1"/>
+          </p:cNvPicPr>
+          <p:nvPr/>
+        </p:nvPicPr>
+        <p:blipFill>
+          <a:blip r:embed="rId2"/>
+          <a:stretch>
+            <a:fillRect/>
+          </a:stretch>
+        </p:blipFill>
+        <p:spPr>
+          <a:xfrm>
+            <a:off x="1158805" y="594912"/>
+            <a:ext cx="10284048" cy="5471406"/>
+          </a:xfrm>
+          <a:prstGeom prst="rect">
+            <a:avLst/>
+          </a:prstGeom>
+        </p:spPr>
+      </p:pic>
+      <p:sp>
+        <p:nvSpPr>
+          <p:cNvPr id="6" name="Oval 5">
+            <a:extLst>
+              <a:ext uri="{FF2B5EF4-FFF2-40B4-BE49-F238E27FC236}">
+                <a16:creationId xmlns:a16="http://schemas.microsoft.com/office/drawing/2014/main" id="{770D7C4E-5922-2A6F-F8D0-E050372D23CB}"/>
+              </a:ext>
+            </a:extLst>
+          </p:cNvPr>
+          <p:cNvSpPr/>
+          <p:nvPr/>
+        </p:nvSpPr>
+        <p:spPr>
+          <a:xfrm>
+            <a:off x="5466358" y="2839125"/>
+            <a:ext cx="491490" cy="491490"/>
+          </a:xfrm>
+          <a:prstGeom prst="ellipse">
+            <a:avLst/>
+          </a:prstGeom>
+          <a:solidFill>
+            <a:srgbClr val="FFFF00"/>
+          </a:solidFill>
+          <a:ln>
+            <a:solidFill>
+              <a:schemeClr val="tx1"/>
+            </a:solidFill>
+          </a:ln>
+        </p:spPr>
+        <p:style>
+          <a:lnRef idx="2">
+            <a:schemeClr val="accent1">
+              <a:shade val="15000"/>
+            </a:schemeClr>
+          </a:lnRef>
+          <a:fillRef idx="1">
+            <a:schemeClr val="accent1"/>
+          </a:fillRef>
+          <a:effectRef idx="0">
+            <a:schemeClr val="accent1"/>
+          </a:effectRef>
+          <a:fontRef idx="minor">
+            <a:schemeClr val="lt1"/>
+          </a:fontRef>
+        </p:style>
+        <p:txBody>
+          <a:bodyPr rtlCol="0" anchor="ctr"/>
+          <a:lstStyle/>
+          <a:p>
+            <a:pPr algn="ctr"/>
+            <a:r>
+              <a:rPr lang="en-US" b="1" dirty="0">
+                <a:solidFill>
+                  <a:schemeClr val="tx1"/>
+                </a:solidFill>
+              </a:rPr>
+              <a:t>1</a:t>
+            </a:r>
+          </a:p>
+        </p:txBody>
+      </p:sp>
+      <p:sp>
+        <p:nvSpPr>
+          <p:cNvPr id="7" name="Oval 6">
+            <a:extLst>
+              <a:ext uri="{FF2B5EF4-FFF2-40B4-BE49-F238E27FC236}">
+                <a16:creationId xmlns:a16="http://schemas.microsoft.com/office/drawing/2014/main" id="{EBAA7967-6B7D-6105-47FE-5B3E7EAB80D0}"/>
+              </a:ext>
+            </a:extLst>
+          </p:cNvPr>
+          <p:cNvSpPr/>
+          <p:nvPr/>
+        </p:nvSpPr>
+        <p:spPr>
+          <a:xfrm>
+            <a:off x="4023148" y="4724105"/>
+            <a:ext cx="491490" cy="491490"/>
+          </a:xfrm>
+          <a:prstGeom prst="ellipse">
+            <a:avLst/>
+          </a:prstGeom>
+          <a:solidFill>
+            <a:srgbClr val="FFFF00"/>
+          </a:solidFill>
+          <a:ln>
+            <a:solidFill>
+              <a:schemeClr val="tx1"/>
+            </a:solidFill>
+          </a:ln>
+        </p:spPr>
+        <p:style>
+          <a:lnRef idx="2">
+            <a:schemeClr val="accent1">
+              <a:shade val="15000"/>
+            </a:schemeClr>
+          </a:lnRef>
+          <a:fillRef idx="1">
+            <a:schemeClr val="accent1"/>
+          </a:fillRef>
+          <a:effectRef idx="0">
+            <a:schemeClr val="accent1"/>
+          </a:effectRef>
+          <a:fontRef idx="minor">
+            <a:schemeClr val="lt1"/>
+          </a:fontRef>
+        </p:style>
+        <p:txBody>
+          <a:bodyPr rtlCol="0" anchor="ctr"/>
+          <a:lstStyle/>
+          <a:p>
+            <a:pPr algn="ctr"/>
+            <a:r>
+              <a:rPr lang="en-US" b="1" dirty="0">
+                <a:solidFill>
+                  <a:schemeClr val="tx1"/>
+                </a:solidFill>
+              </a:rPr>
+              <a:t>2</a:t>
+            </a:r>
+          </a:p>
+        </p:txBody>
+      </p:sp>
+      <p:sp>
+        <p:nvSpPr>
+          <p:cNvPr id="9" name="Oval 8">
+            <a:extLst>
+              <a:ext uri="{FF2B5EF4-FFF2-40B4-BE49-F238E27FC236}">
+                <a16:creationId xmlns:a16="http://schemas.microsoft.com/office/drawing/2014/main" id="{1F09E70E-13D5-EC39-82D8-23F18AEAD195}"/>
+              </a:ext>
+            </a:extLst>
+          </p:cNvPr>
+          <p:cNvSpPr/>
+          <p:nvPr/>
+        </p:nvSpPr>
+        <p:spPr>
+          <a:xfrm>
+            <a:off x="6577225" y="4724105"/>
+            <a:ext cx="491490" cy="491490"/>
+          </a:xfrm>
+          <a:prstGeom prst="ellipse">
+            <a:avLst/>
+          </a:prstGeom>
+          <a:solidFill>
+            <a:srgbClr val="FFFF00"/>
+          </a:solidFill>
+          <a:ln>
+            <a:solidFill>
+              <a:schemeClr val="tx1"/>
+            </a:solidFill>
+          </a:ln>
+        </p:spPr>
+        <p:style>
+          <a:lnRef idx="2">
+            <a:schemeClr val="accent1">
+              <a:shade val="15000"/>
+            </a:schemeClr>
+          </a:lnRef>
+          <a:fillRef idx="1">
+            <a:schemeClr val="accent1"/>
+          </a:fillRef>
+          <a:effectRef idx="0">
+            <a:schemeClr val="accent1"/>
+          </a:effectRef>
+          <a:fontRef idx="minor">
+            <a:schemeClr val="lt1"/>
+          </a:fontRef>
+        </p:style>
+        <p:txBody>
+          <a:bodyPr rtlCol="0" anchor="ctr"/>
+          <a:lstStyle/>
+          <a:p>
+            <a:pPr algn="ctr"/>
+            <a:r>
+              <a:rPr lang="en-US" b="1" dirty="0">
+                <a:solidFill>
+                  <a:schemeClr val="tx1"/>
+                </a:solidFill>
+              </a:rPr>
+              <a:t>3</a:t>
+            </a:r>
+          </a:p>
+        </p:txBody>
+      </p:sp>
+      <p:sp>
+        <p:nvSpPr>
+          <p:cNvPr id="10" name="Oval 9">
+            <a:extLst>
+              <a:ext uri="{FF2B5EF4-FFF2-40B4-BE49-F238E27FC236}">
+                <a16:creationId xmlns:a16="http://schemas.microsoft.com/office/drawing/2014/main" id="{1ADC9133-CB4A-7AF4-CDAD-5ECD93522D30}"/>
+              </a:ext>
+            </a:extLst>
+          </p:cNvPr>
+          <p:cNvSpPr/>
+          <p:nvPr/>
+        </p:nvSpPr>
+        <p:spPr>
+          <a:xfrm>
+            <a:off x="4023148" y="5532003"/>
+            <a:ext cx="491490" cy="491490"/>
+          </a:xfrm>
+          <a:prstGeom prst="ellipse">
+            <a:avLst/>
+          </a:prstGeom>
+          <a:solidFill>
+            <a:srgbClr val="FFFF00"/>
+          </a:solidFill>
+          <a:ln>
+            <a:solidFill>
+              <a:schemeClr val="tx1"/>
+            </a:solidFill>
+          </a:ln>
+        </p:spPr>
+        <p:style>
+          <a:lnRef idx="2">
+            <a:schemeClr val="accent1">
+              <a:shade val="15000"/>
+            </a:schemeClr>
+          </a:lnRef>
+          <a:fillRef idx="1">
+            <a:schemeClr val="accent1"/>
+          </a:fillRef>
+          <a:effectRef idx="0">
+            <a:schemeClr val="accent1"/>
+          </a:effectRef>
+          <a:fontRef idx="minor">
+            <a:schemeClr val="lt1"/>
+          </a:fontRef>
+        </p:style>
+        <p:txBody>
+          <a:bodyPr rtlCol="0" anchor="ctr"/>
+          <a:lstStyle/>
+          <a:p>
+            <a:pPr algn="ctr"/>
+            <a:r>
+              <a:rPr lang="en-US" b="1" dirty="0">
+                <a:solidFill>
+                  <a:schemeClr val="tx1"/>
+                </a:solidFill>
+              </a:rPr>
+              <a:t>4</a:t>
+            </a:r>
+          </a:p>
+        </p:txBody>
+      </p:sp>
+    </p:spTree>
+    <p:extLst>
+      <p:ext uri="{BB962C8B-B14F-4D97-AF65-F5344CB8AC3E}">
+        <p14:creationId xmlns:p14="http://schemas.microsoft.com/office/powerpoint/2010/main" val="2023341970"/>
+      </p:ext>
+    </p:extLst>
+  </p:cSld>
+  <p:clrMapOvr>
+    <a:masterClrMapping/>
+  </p:clrMapOvr>
+</p:sld>
+</file>
+
 <file path=ppt/slides/slide2.xml><?xml version="1.0" encoding="utf-8"?>
 <p:sld xmlns:a="http://schemas.openxmlformats.org/drawingml/2006/main" xmlns:r="http://schemas.openxmlformats.org/officeDocument/2006/relationships" xmlns:p="http://schemas.openxmlformats.org/presentationml/2006/main">
   <p:cSld>
@@ -5161,10 +5466,10 @@
       </p:grpSpPr>
       <p:pic>
         <p:nvPicPr>
-          <p:cNvPr id="5" name="Picture 4">
-            <a:extLst>
-              <a:ext uri="{FF2B5EF4-FFF2-40B4-BE49-F238E27FC236}">
-                <a16:creationId xmlns:a16="http://schemas.microsoft.com/office/drawing/2014/main" id="{683FAFA0-94AF-991D-519E-762324A0A4C2}"/>
+          <p:cNvPr id="10" name="Picture 9">
+            <a:extLst>
+              <a:ext uri="{FF2B5EF4-FFF2-40B4-BE49-F238E27FC236}">
+                <a16:creationId xmlns:a16="http://schemas.microsoft.com/office/drawing/2014/main" id="{5CDAC95F-1797-9788-D00B-08EBA926618D}"/>
               </a:ext>
             </a:extLst>
           </p:cNvPr>
@@ -5182,7 +5487,7 @@
         <p:spPr>
           <a:xfrm>
             <a:off x="923659" y="799965"/>
-            <a:ext cx="10344682" cy="5258070"/>
+            <a:ext cx="9872871" cy="5252648"/>
           </a:xfrm>
           <a:prstGeom prst="rect">
             <a:avLst/>
@@ -5203,7 +5508,7 @@
         </p:nvSpPr>
         <p:spPr>
           <a:xfrm>
-            <a:off x="5604510" y="2394585"/>
+            <a:off x="5860094" y="2328483"/>
             <a:ext cx="491490" cy="491490"/>
           </a:xfrm>
           <a:prstGeom prst="ellipse">
@@ -5264,7 +5569,7 @@
         </p:nvSpPr>
         <p:spPr>
           <a:xfrm>
-            <a:off x="4130040" y="3074670"/>
+            <a:off x="4088130" y="3246053"/>
             <a:ext cx="491490" cy="491490"/>
           </a:xfrm>
           <a:prstGeom prst="ellipse">
@@ -5325,7 +5630,7 @@
         </p:nvSpPr>
         <p:spPr>
           <a:xfrm>
-            <a:off x="4579620" y="3691890"/>
+            <a:off x="4579620" y="3957751"/>
             <a:ext cx="491490" cy="491490"/>
           </a:xfrm>
           <a:prstGeom prst="ellipse">
@@ -5386,7 +5691,7 @@
         </p:nvSpPr>
         <p:spPr>
           <a:xfrm>
-            <a:off x="4579620" y="4629217"/>
+            <a:off x="3868665" y="4805487"/>
             <a:ext cx="491490" cy="491490"/>
           </a:xfrm>
           <a:prstGeom prst="ellipse">
